--- a/doc/状态报告 2017-6-2.pptx
+++ b/doc/状态报告 2017-6-2.pptx
@@ -5,10 +5,10 @@
     <p:sldMasterId id="2147483660" r:id="rId2"/>
   </p:sldMasterIdLst>
   <p:notesMasterIdLst>
-    <p:notesMasterId r:id="rId14"/>
+    <p:notesMasterId r:id="rId15"/>
   </p:notesMasterIdLst>
   <p:handoutMasterIdLst>
-    <p:handoutMasterId r:id="rId15"/>
+    <p:handoutMasterId r:id="rId16"/>
   </p:handoutMasterIdLst>
   <p:sldIdLst>
     <p:sldId id="256" r:id="rId3"/>
@@ -16,12 +16,13 @@
     <p:sldId id="264" r:id="rId5"/>
     <p:sldId id="265" r:id="rId6"/>
     <p:sldId id="269" r:id="rId7"/>
-    <p:sldId id="266" r:id="rId8"/>
-    <p:sldId id="271" r:id="rId9"/>
-    <p:sldId id="275" r:id="rId10"/>
-    <p:sldId id="272" r:id="rId11"/>
-    <p:sldId id="274" r:id="rId12"/>
-    <p:sldId id="273" r:id="rId13"/>
+    <p:sldId id="276" r:id="rId8"/>
+    <p:sldId id="266" r:id="rId9"/>
+    <p:sldId id="271" r:id="rId10"/>
+    <p:sldId id="275" r:id="rId11"/>
+    <p:sldId id="272" r:id="rId12"/>
+    <p:sldId id="274" r:id="rId13"/>
+    <p:sldId id="273" r:id="rId14"/>
   </p:sldIdLst>
   <p:sldSz cx="12192000" cy="6858000"/>
   <p:notesSz cx="6858000" cy="9144000"/>
@@ -134,6 +135,7 @@
             <p14:sldId id="264"/>
             <p14:sldId id="265"/>
             <p14:sldId id="269"/>
+            <p14:sldId id="276"/>
             <p14:sldId id="266"/>
             <p14:sldId id="271"/>
             <p14:sldId id="275"/>
@@ -5140,6 +5142,184 @@
           <a:p>
             <a:r>
               <a:rPr lang="zh-CN" altLang="en-US" dirty="0" smtClean="0"/>
+              <a:t>状态总结</a:t>
+            </a:r>
+            <a:endParaRPr lang="zh-CN" altLang="en-US" dirty="0"/>
+          </a:p>
+        </p:txBody>
+      </p:sp>
+      <p:sp>
+        <p:nvSpPr>
+          <p:cNvPr id="3" name="内容占位符 2"/>
+          <p:cNvSpPr>
+            <a:spLocks noGrp="1"/>
+          </p:cNvSpPr>
+          <p:nvPr>
+            <p:ph idx="1"/>
+          </p:nvPr>
+        </p:nvSpPr>
+        <p:spPr>
+          <a:xfrm>
+            <a:off x="838201" y="1825625"/>
+            <a:ext cx="10007990" cy="4351338"/>
+          </a:xfrm>
+        </p:spPr>
+        <p:txBody>
+          <a:bodyPr/>
+          <a:lstStyle/>
+          <a:p>
+            <a:r>
+              <a:rPr lang="zh-CN" altLang="en-US" dirty="0" smtClean="0"/>
+              <a:t>对于内核化工作的探索形成了一定的成果</a:t>
+            </a:r>
+            <a:endParaRPr lang="en-US" altLang="zh-CN" dirty="0" smtClean="0"/>
+          </a:p>
+          <a:p>
+            <a:r>
+              <a:rPr lang="zh-CN" altLang="en-US" dirty="0" smtClean="0"/>
+              <a:t>通过参与总体架构规划工作，积累了一定的药品流转业务知识和分析成果</a:t>
+            </a:r>
+            <a:endParaRPr lang="en-US" altLang="zh-CN" dirty="0" smtClean="0"/>
+          </a:p>
+          <a:p>
+            <a:r>
+              <a:rPr lang="zh-CN" altLang="en-US" dirty="0" smtClean="0"/>
+              <a:t>对于</a:t>
+            </a:r>
+            <a:r>
+              <a:rPr lang="zh-CN" altLang="en-US" dirty="0" smtClean="0"/>
+              <a:t>该工作与现存研发工作的关系未明确</a:t>
+            </a:r>
+            <a:endParaRPr lang="en-US" altLang="zh-CN" dirty="0"/>
+          </a:p>
+          <a:p>
+            <a:r>
+              <a:rPr lang="zh-CN" altLang="en-US" dirty="0" smtClean="0"/>
+              <a:t>对于该工作短期的价值和推进方式待探索</a:t>
+            </a:r>
+            <a:endParaRPr lang="en-US" altLang="zh-CN" dirty="0" smtClean="0"/>
+          </a:p>
+          <a:p>
+            <a:r>
+              <a:rPr lang="zh-CN" altLang="en-US" b="1" dirty="0" smtClean="0"/>
+              <a:t>希望可以和</a:t>
+            </a:r>
+            <a:r>
+              <a:rPr lang="en-US" altLang="zh-CN" b="1" dirty="0" smtClean="0"/>
+              <a:t>HIS</a:t>
+            </a:r>
+            <a:r>
+              <a:rPr lang="zh-CN" altLang="en-US" b="1" dirty="0" smtClean="0"/>
+              <a:t>、</a:t>
+            </a:r>
+            <a:r>
+              <a:rPr lang="en-US" altLang="zh-CN" b="1" dirty="0" smtClean="0"/>
+              <a:t>EMR</a:t>
+            </a:r>
+            <a:r>
+              <a:rPr lang="zh-CN" altLang="en-US" b="1" dirty="0" smtClean="0"/>
+              <a:t>、院内平台等相关项目负责人有更深入的沟通，形成合作模式并能共享成果</a:t>
+            </a:r>
+            <a:endParaRPr lang="zh-CN" altLang="en-US" b="1" dirty="0"/>
+          </a:p>
+        </p:txBody>
+      </p:sp>
+      <p:sp>
+        <p:nvSpPr>
+          <p:cNvPr id="4" name="矩形 3"/>
+          <p:cNvSpPr/>
+          <p:nvPr/>
+        </p:nvSpPr>
+        <p:spPr>
+          <a:xfrm>
+            <a:off x="715537" y="2999678"/>
+            <a:ext cx="4090638" cy="1148575"/>
+          </a:xfrm>
+          <a:prstGeom prst="rect">
+            <a:avLst/>
+          </a:prstGeom>
+          <a:noFill/>
+          <a:ln w="25400"/>
+        </p:spPr>
+        <p:style>
+          <a:lnRef idx="2">
+            <a:schemeClr val="accent1">
+              <a:shade val="50000"/>
+            </a:schemeClr>
+          </a:lnRef>
+          <a:fillRef idx="1">
+            <a:schemeClr val="accent1"/>
+          </a:fillRef>
+          <a:effectRef idx="0">
+            <a:schemeClr val="accent1"/>
+          </a:effectRef>
+          <a:fontRef idx="minor">
+            <a:schemeClr val="lt1"/>
+          </a:fontRef>
+        </p:style>
+        <p:txBody>
+          <a:bodyPr rtlCol="0" anchor="ctr"/>
+          <a:lstStyle/>
+          <a:p>
+            <a:pPr algn="ctr"/>
+            <a:endParaRPr lang="zh-CN" altLang="en-US"/>
+          </a:p>
+        </p:txBody>
+      </p:sp>
+    </p:spTree>
+    <p:extLst>
+      <p:ext uri="{BB962C8B-B14F-4D97-AF65-F5344CB8AC3E}">
+        <p14:creationId xmlns:p14="http://schemas.microsoft.com/office/powerpoint/2010/main" val="3803280000"/>
+      </p:ext>
+    </p:extLst>
+  </p:cSld>
+  <p:clrMapOvr>
+    <a:masterClrMapping/>
+  </p:clrMapOvr>
+  <p:timing>
+    <p:tnLst>
+      <p:par>
+        <p:cTn id="1" dur="indefinite" restart="never" nodeType="tmRoot"/>
+      </p:par>
+    </p:tnLst>
+  </p:timing>
+</p:sld>
+</file>
+
+<file path=ppt/slides/slide11.xml><?xml version="1.0" encoding="utf-8"?>
+<p:sld xmlns:a="http://schemas.openxmlformats.org/drawingml/2006/main" xmlns:r="http://schemas.openxmlformats.org/officeDocument/2006/relationships" xmlns:p="http://schemas.openxmlformats.org/presentationml/2006/main">
+  <p:cSld>
+    <p:spTree>
+      <p:nvGrpSpPr>
+        <p:cNvPr id="1" name=""/>
+        <p:cNvGrpSpPr/>
+        <p:nvPr/>
+      </p:nvGrpSpPr>
+      <p:grpSpPr>
+        <a:xfrm>
+          <a:off x="0" y="0"/>
+          <a:ext cx="0" cy="0"/>
+          <a:chOff x="0" y="0"/>
+          <a:chExt cx="0" cy="0"/>
+        </a:xfrm>
+      </p:grpSpPr>
+      <p:sp>
+        <p:nvSpPr>
+          <p:cNvPr id="2" name="标题 1"/>
+          <p:cNvSpPr>
+            <a:spLocks noGrp="1"/>
+          </p:cNvSpPr>
+          <p:nvPr>
+            <p:ph type="title"/>
+          </p:nvPr>
+        </p:nvSpPr>
+        <p:spPr/>
+        <p:txBody>
+          <a:bodyPr/>
+          <a:lstStyle/>
+          <a:p>
+            <a:r>
+              <a:rPr lang="zh-CN" altLang="en-US" dirty="0" smtClean="0"/>
               <a:t>道路</a:t>
             </a:r>
             <a:r>
@@ -5208,7 +5388,7 @@
 </p:sld>
 </file>
 
-<file path=ppt/slides/slide11.xml><?xml version="1.0" encoding="utf-8"?>
+<file path=ppt/slides/slide12.xml><?xml version="1.0" encoding="utf-8"?>
 <p:sld xmlns:a="http://schemas.openxmlformats.org/drawingml/2006/main" xmlns:r="http://schemas.openxmlformats.org/officeDocument/2006/relationships" xmlns:p="http://schemas.openxmlformats.org/presentationml/2006/main">
   <p:cSld>
     <p:spTree>
@@ -7313,6 +7493,133 @@
           <a:lstStyle/>
           <a:p>
             <a:r>
+              <a:rPr lang="zh-CN" altLang="en-US" dirty="0"/>
+              <a:t>状态说明（满意度： </a:t>
+            </a:r>
+            <a:r>
+              <a:rPr lang="en-US" altLang="zh-CN" dirty="0" smtClean="0">
+                <a:sym typeface="Wingdings" panose="05000000000000000000" pitchFamily="2" charset="2"/>
+              </a:rPr>
+              <a:t></a:t>
+            </a:r>
+            <a:r>
+              <a:rPr lang="zh-CN" altLang="en-US" dirty="0" smtClean="0"/>
+              <a:t>）</a:t>
+            </a:r>
+            <a:endParaRPr lang="zh-CN" altLang="en-US" dirty="0"/>
+          </a:p>
+        </p:txBody>
+      </p:sp>
+      <p:sp>
+        <p:nvSpPr>
+          <p:cNvPr id="3" name="内容占位符 2"/>
+          <p:cNvSpPr>
+            <a:spLocks noGrp="1"/>
+          </p:cNvSpPr>
+          <p:nvPr>
+            <p:ph idx="1"/>
+          </p:nvPr>
+        </p:nvSpPr>
+        <p:spPr/>
+        <p:txBody>
+          <a:bodyPr/>
+          <a:lstStyle/>
+          <a:p>
+            <a:r>
+              <a:rPr lang="zh-CN" altLang="en-US" dirty="0" smtClean="0"/>
+              <a:t>探索以</a:t>
+            </a:r>
+            <a:r>
+              <a:rPr lang="en-US" altLang="zh-CN" dirty="0" err="1" smtClean="0"/>
+              <a:t>app+engine</a:t>
+            </a:r>
+            <a:r>
+              <a:rPr lang="zh-CN" altLang="en-US" dirty="0" smtClean="0"/>
+              <a:t>的模式运行</a:t>
+            </a:r>
+            <a:endParaRPr lang="zh-CN" altLang="en-US" dirty="0"/>
+          </a:p>
+        </p:txBody>
+      </p:sp>
+      <p:pic>
+        <p:nvPicPr>
+          <p:cNvPr id="4" name="图片 3" descr="C:\Users\kingbox\Desktop\2017-4-17 8-52-58.png"/>
+          <p:cNvPicPr/>
+          <p:nvPr/>
+        </p:nvPicPr>
+        <p:blipFill>
+          <a:blip r:embed="rId2">
+            <a:extLst>
+              <a:ext uri="{28A0092B-C50C-407E-A947-70E740481C1C}">
+                <a14:useLocalDpi xmlns:a14="http://schemas.microsoft.com/office/drawing/2010/main" val="0"/>
+              </a:ext>
+            </a:extLst>
+          </a:blip>
+          <a:srcRect/>
+          <a:stretch>
+            <a:fillRect/>
+          </a:stretch>
+        </p:blipFill>
+        <p:spPr bwMode="auto">
+          <a:xfrm>
+            <a:off x="3202366" y="2639539"/>
+            <a:ext cx="6253867" cy="3973133"/>
+          </a:xfrm>
+          <a:prstGeom prst="rect">
+            <a:avLst/>
+          </a:prstGeom>
+          <a:noFill/>
+          <a:ln>
+            <a:noFill/>
+          </a:ln>
+        </p:spPr>
+      </p:pic>
+    </p:spTree>
+    <p:extLst>
+      <p:ext uri="{BB962C8B-B14F-4D97-AF65-F5344CB8AC3E}">
+        <p14:creationId xmlns:p14="http://schemas.microsoft.com/office/powerpoint/2010/main" val="2434051567"/>
+      </p:ext>
+    </p:extLst>
+  </p:cSld>
+  <p:clrMapOvr>
+    <a:masterClrMapping/>
+  </p:clrMapOvr>
+</p:sld>
+</file>
+
+<file path=ppt/slides/slide7.xml><?xml version="1.0" encoding="utf-8"?>
+<p:sld xmlns:a="http://schemas.openxmlformats.org/drawingml/2006/main" xmlns:r="http://schemas.openxmlformats.org/officeDocument/2006/relationships" xmlns:p="http://schemas.openxmlformats.org/presentationml/2006/main">
+  <p:cSld>
+    <p:spTree>
+      <p:nvGrpSpPr>
+        <p:cNvPr id="1" name=""/>
+        <p:cNvGrpSpPr/>
+        <p:nvPr/>
+      </p:nvGrpSpPr>
+      <p:grpSpPr>
+        <a:xfrm>
+          <a:off x="0" y="0"/>
+          <a:ext cx="0" cy="0"/>
+          <a:chOff x="0" y="0"/>
+          <a:chExt cx="0" cy="0"/>
+        </a:xfrm>
+      </p:grpSpPr>
+      <p:sp>
+        <p:nvSpPr>
+          <p:cNvPr id="2" name="标题 1"/>
+          <p:cNvSpPr>
+            <a:spLocks noGrp="1"/>
+          </p:cNvSpPr>
+          <p:nvPr>
+            <p:ph type="title"/>
+          </p:nvPr>
+        </p:nvSpPr>
+        <p:spPr/>
+        <p:txBody>
+          <a:bodyPr/>
+          <a:lstStyle/>
+          <a:p>
+            <a:r>
               <a:rPr lang="zh-CN" altLang="en-US" dirty="0" smtClean="0"/>
               <a:t>状态</a:t>
             </a:r>
@@ -7430,7 +7737,7 @@
 </p:sld>
 </file>
 
-<file path=ppt/slides/slide7.xml><?xml version="1.0" encoding="utf-8"?>
+<file path=ppt/slides/slide8.xml><?xml version="1.0" encoding="utf-8"?>
 <p:sld xmlns:a="http://schemas.openxmlformats.org/drawingml/2006/main" xmlns:r="http://schemas.openxmlformats.org/officeDocument/2006/relationships" xmlns:p="http://schemas.openxmlformats.org/presentationml/2006/main" showMasterSp="0">
   <p:cSld>
     <p:bg>
@@ -7772,7 +8079,7 @@
 </p:sld>
 </file>
 
-<file path=ppt/slides/slide8.xml><?xml version="1.0" encoding="utf-8"?>
+<file path=ppt/slides/slide9.xml><?xml version="1.0" encoding="utf-8"?>
 <p:sld xmlns:a="http://schemas.openxmlformats.org/drawingml/2006/main" xmlns:r="http://schemas.openxmlformats.org/officeDocument/2006/relationships" xmlns:p="http://schemas.openxmlformats.org/presentationml/2006/main">
   <p:cSld>
     <p:spTree>
@@ -7821,14 +8128,14 @@
           <p:nvPr>
             <p:extLst>
               <p:ext uri="{D42A27DB-BD31-4B8C-83A1-F6EECF244321}">
-                <p14:modId xmlns:p14="http://schemas.microsoft.com/office/powerpoint/2010/main" val="2463788214"/>
+                <p14:modId xmlns:p14="http://schemas.microsoft.com/office/powerpoint/2010/main" val="2637393755"/>
               </p:ext>
             </p:extLst>
           </p:nvPr>
         </p:nvGraphicFramePr>
         <p:xfrm>
           <a:off x="604434" y="1554480"/>
-          <a:ext cx="10987343" cy="3749040"/>
+          <a:ext cx="10987343" cy="4023360"/>
         </p:xfrm>
         <a:graphic>
           <a:graphicData uri="http://schemas.openxmlformats.org/drawingml/2006/table">
@@ -8070,7 +8377,18 @@
                         <a:tabLst/>
                         <a:defRPr/>
                       </a:pPr>
-                      <a:endParaRPr lang="zh-CN" altLang="en-US" dirty="0" smtClean="0"/>
+                      <a:r>
+                        <a:rPr lang="zh-CN" altLang="en-US" dirty="0" smtClean="0"/>
+                        <a:t>探索以</a:t>
+                      </a:r>
+                      <a:r>
+                        <a:rPr lang="en-US" altLang="zh-CN" dirty="0" err="1" smtClean="0"/>
+                        <a:t>app+engine</a:t>
+                      </a:r>
+                      <a:r>
+                        <a:rPr lang="zh-CN" altLang="en-US" dirty="0" smtClean="0"/>
+                        <a:t>的模式运行</a:t>
+                      </a:r>
                     </a:p>
                   </a:txBody>
                   <a:tcPr/>
@@ -8080,6 +8398,12 @@
                     <a:bodyPr/>
                     <a:lstStyle/>
                     <a:p>
+                      <a:r>
+                        <a:rPr lang="en-US" altLang="zh-CN" dirty="0" smtClean="0">
+                          <a:sym typeface="Wingdings" panose="05000000000000000000" pitchFamily="2" charset="2"/>
+                        </a:rPr>
+                        <a:t></a:t>
+                      </a:r>
                       <a:endParaRPr lang="zh-CN" altLang="en-US" dirty="0"/>
                     </a:p>
                   </a:txBody>
@@ -8090,6 +8414,26 @@
                     <a:bodyPr/>
                     <a:lstStyle/>
                     <a:p>
+                      <a:r>
+                        <a:rPr lang="zh-CN" altLang="en-US" dirty="0" smtClean="0"/>
+                        <a:t>以患者离院为场景探索了一下</a:t>
+                      </a:r>
+                      <a:r>
+                        <a:rPr lang="en-US" altLang="zh-CN" dirty="0" smtClean="0"/>
+                        <a:t>app</a:t>
+                      </a:r>
+                      <a:r>
+                        <a:rPr lang="zh-CN" altLang="en-US" dirty="0" smtClean="0"/>
+                        <a:t>和</a:t>
+                      </a:r>
+                      <a:r>
+                        <a:rPr lang="en-US" altLang="zh-CN" dirty="0" smtClean="0"/>
+                        <a:t>engine</a:t>
+                      </a:r>
+                      <a:r>
+                        <a:rPr lang="zh-CN" altLang="en-US" dirty="0" smtClean="0"/>
+                        <a:t>的接口</a:t>
+                      </a:r>
                       <a:endParaRPr lang="zh-CN" altLang="en-US" dirty="0"/>
                     </a:p>
                   </a:txBody>
@@ -8104,184 +8448,6 @@
     <p:extLst>
       <p:ext uri="{BB962C8B-B14F-4D97-AF65-F5344CB8AC3E}">
         <p14:creationId xmlns:p14="http://schemas.microsoft.com/office/powerpoint/2010/main" val="1029787524"/>
-      </p:ext>
-    </p:extLst>
-  </p:cSld>
-  <p:clrMapOvr>
-    <a:masterClrMapping/>
-  </p:clrMapOvr>
-  <p:timing>
-    <p:tnLst>
-      <p:par>
-        <p:cTn id="1" dur="indefinite" restart="never" nodeType="tmRoot"/>
-      </p:par>
-    </p:tnLst>
-  </p:timing>
-</p:sld>
-</file>
-
-<file path=ppt/slides/slide9.xml><?xml version="1.0" encoding="utf-8"?>
-<p:sld xmlns:a="http://schemas.openxmlformats.org/drawingml/2006/main" xmlns:r="http://schemas.openxmlformats.org/officeDocument/2006/relationships" xmlns:p="http://schemas.openxmlformats.org/presentationml/2006/main">
-  <p:cSld>
-    <p:spTree>
-      <p:nvGrpSpPr>
-        <p:cNvPr id="1" name=""/>
-        <p:cNvGrpSpPr/>
-        <p:nvPr/>
-      </p:nvGrpSpPr>
-      <p:grpSpPr>
-        <a:xfrm>
-          <a:off x="0" y="0"/>
-          <a:ext cx="0" cy="0"/>
-          <a:chOff x="0" y="0"/>
-          <a:chExt cx="0" cy="0"/>
-        </a:xfrm>
-      </p:grpSpPr>
-      <p:sp>
-        <p:nvSpPr>
-          <p:cNvPr id="2" name="标题 1"/>
-          <p:cNvSpPr>
-            <a:spLocks noGrp="1"/>
-          </p:cNvSpPr>
-          <p:nvPr>
-            <p:ph type="title"/>
-          </p:nvPr>
-        </p:nvSpPr>
-        <p:spPr/>
-        <p:txBody>
-          <a:bodyPr/>
-          <a:lstStyle/>
-          <a:p>
-            <a:r>
-              <a:rPr lang="zh-CN" altLang="en-US" dirty="0" smtClean="0"/>
-              <a:t>状态总结</a:t>
-            </a:r>
-            <a:endParaRPr lang="zh-CN" altLang="en-US" dirty="0"/>
-          </a:p>
-        </p:txBody>
-      </p:sp>
-      <p:sp>
-        <p:nvSpPr>
-          <p:cNvPr id="3" name="内容占位符 2"/>
-          <p:cNvSpPr>
-            <a:spLocks noGrp="1"/>
-          </p:cNvSpPr>
-          <p:nvPr>
-            <p:ph idx="1"/>
-          </p:nvPr>
-        </p:nvSpPr>
-        <p:spPr>
-          <a:xfrm>
-            <a:off x="838201" y="1825625"/>
-            <a:ext cx="10007990" cy="4351338"/>
-          </a:xfrm>
-        </p:spPr>
-        <p:txBody>
-          <a:bodyPr/>
-          <a:lstStyle/>
-          <a:p>
-            <a:r>
-              <a:rPr lang="zh-CN" altLang="en-US" dirty="0" smtClean="0"/>
-              <a:t>对于内核化工作的探索形成了一定的成果</a:t>
-            </a:r>
-            <a:endParaRPr lang="en-US" altLang="zh-CN" dirty="0" smtClean="0"/>
-          </a:p>
-          <a:p>
-            <a:r>
-              <a:rPr lang="zh-CN" altLang="en-US" dirty="0" smtClean="0"/>
-              <a:t>通过参与总体架构规划工作，积累了一定的药品流转业务知识和分析成果</a:t>
-            </a:r>
-            <a:endParaRPr lang="en-US" altLang="zh-CN" dirty="0" smtClean="0"/>
-          </a:p>
-          <a:p>
-            <a:r>
-              <a:rPr lang="zh-CN" altLang="en-US" dirty="0" smtClean="0"/>
-              <a:t>对于</a:t>
-            </a:r>
-            <a:r>
-              <a:rPr lang="zh-CN" altLang="en-US" dirty="0" smtClean="0"/>
-              <a:t>该工作与现存研发工作的关系未明确</a:t>
-            </a:r>
-            <a:endParaRPr lang="en-US" altLang="zh-CN" dirty="0"/>
-          </a:p>
-          <a:p>
-            <a:r>
-              <a:rPr lang="zh-CN" altLang="en-US" dirty="0" smtClean="0"/>
-              <a:t>对于该工作短期的价值和推进方式待探索</a:t>
-            </a:r>
-            <a:endParaRPr lang="en-US" altLang="zh-CN" dirty="0" smtClean="0"/>
-          </a:p>
-          <a:p>
-            <a:r>
-              <a:rPr lang="zh-CN" altLang="en-US" b="1" dirty="0" smtClean="0"/>
-              <a:t>希望可以和</a:t>
-            </a:r>
-            <a:r>
-              <a:rPr lang="en-US" altLang="zh-CN" b="1" dirty="0" smtClean="0"/>
-              <a:t>HIS</a:t>
-            </a:r>
-            <a:r>
-              <a:rPr lang="zh-CN" altLang="en-US" b="1" dirty="0" smtClean="0"/>
-              <a:t>、</a:t>
-            </a:r>
-            <a:r>
-              <a:rPr lang="en-US" altLang="zh-CN" b="1" dirty="0" smtClean="0"/>
-              <a:t>EMR</a:t>
-            </a:r>
-            <a:r>
-              <a:rPr lang="zh-CN" altLang="en-US" b="1" dirty="0" smtClean="0"/>
-              <a:t>、院内平台等相关项目负责人有更深入的沟通，形成合作模式并能共享成果</a:t>
-            </a:r>
-            <a:endParaRPr lang="zh-CN" altLang="en-US" b="1" dirty="0"/>
-          </a:p>
-        </p:txBody>
-      </p:sp>
-      <p:sp>
-        <p:nvSpPr>
-          <p:cNvPr id="4" name="矩形 3"/>
-          <p:cNvSpPr/>
-          <p:nvPr/>
-        </p:nvSpPr>
-        <p:spPr>
-          <a:xfrm>
-            <a:off x="715537" y="2999678"/>
-            <a:ext cx="4090638" cy="1148575"/>
-          </a:xfrm>
-          <a:prstGeom prst="rect">
-            <a:avLst/>
-          </a:prstGeom>
-          <a:noFill/>
-          <a:ln w="25400"/>
-        </p:spPr>
-        <p:style>
-          <a:lnRef idx="2">
-            <a:schemeClr val="accent1">
-              <a:shade val="50000"/>
-            </a:schemeClr>
-          </a:lnRef>
-          <a:fillRef idx="1">
-            <a:schemeClr val="accent1"/>
-          </a:fillRef>
-          <a:effectRef idx="0">
-            <a:schemeClr val="accent1"/>
-          </a:effectRef>
-          <a:fontRef idx="minor">
-            <a:schemeClr val="lt1"/>
-          </a:fontRef>
-        </p:style>
-        <p:txBody>
-          <a:bodyPr rtlCol="0" anchor="ctr"/>
-          <a:lstStyle/>
-          <a:p>
-            <a:pPr algn="ctr"/>
-            <a:endParaRPr lang="zh-CN" altLang="en-US"/>
-          </a:p>
-        </p:txBody>
-      </p:sp>
-    </p:spTree>
-    <p:extLst>
-      <p:ext uri="{BB962C8B-B14F-4D97-AF65-F5344CB8AC3E}">
-        <p14:creationId xmlns:p14="http://schemas.microsoft.com/office/powerpoint/2010/main" val="3803280000"/>
       </p:ext>
     </p:extLst>
   </p:cSld>

--- a/doc/状态报告 2017-6-2.pptx
+++ b/doc/状态报告 2017-6-2.pptx
@@ -5362,7 +5362,7 @@
             </a:r>
             <a:r>
               <a:rPr lang="zh-CN" altLang="en-US" dirty="0" smtClean="0"/>
-              <a:t>内核化并形成本部和现场分工研发的工作模式应该是近期事业部工作的重点探索领域！</a:t>
+              <a:t>内核化并形成本部和现场分工研发的工作模式应该是近期事业部工作的重点探索领域</a:t>
             </a:r>
             <a:endParaRPr lang="zh-CN" altLang="en-US" dirty="0"/>
           </a:p>
@@ -5584,7 +5584,7 @@
         </p:spPr>
         <p:txBody>
           <a:bodyPr>
-            <a:normAutofit lnSpcReduction="10000"/>
+            <a:normAutofit fontScale="85000" lnSpcReduction="10000"/>
           </a:bodyPr>
           <a:lstStyle/>
           <a:p>
@@ -5703,11 +5703,31 @@
             </a:r>
             <a:r>
               <a:rPr lang="zh-CN" altLang="en-US" dirty="0" smtClean="0"/>
-              <a:t>个</a:t>
+              <a:t>个快照</a:t>
+            </a:r>
+            <a:r>
+              <a:rPr lang="en-US" altLang="zh-CN" dirty="0" smtClean="0"/>
+              <a:t>【</a:t>
             </a:r>
             <a:r>
               <a:rPr lang="zh-CN" altLang="en-US" dirty="0" smtClean="0"/>
-              <a:t>快照）</a:t>
+              <a:t>共</a:t>
+            </a:r>
+            <a:r>
+              <a:rPr lang="en-US" altLang="zh-CN" dirty="0" smtClean="0"/>
+              <a:t>23</a:t>
+            </a:r>
+            <a:r>
+              <a:rPr lang="zh-CN" altLang="en-US" dirty="0" smtClean="0"/>
+              <a:t>个快照</a:t>
+            </a:r>
+            <a:r>
+              <a:rPr lang="en-US" altLang="zh-CN" dirty="0" smtClean="0"/>
+              <a:t>】</a:t>
+            </a:r>
+            <a:r>
+              <a:rPr lang="zh-CN" altLang="en-US" dirty="0" smtClean="0"/>
+              <a:t>）</a:t>
             </a:r>
             <a:endParaRPr lang="en-US" altLang="zh-CN" dirty="0" smtClean="0"/>
           </a:p>
@@ -5776,15 +5796,15 @@
             </a:r>
             <a:r>
               <a:rPr lang="zh-CN" altLang="en-US" dirty="0" smtClean="0"/>
-              <a:t>行</a:t>
+              <a:t>行代码（当前</a:t>
+            </a:r>
+            <a:r>
+              <a:rPr lang="en-US" altLang="zh-CN" dirty="0" smtClean="0"/>
+              <a:t>13920</a:t>
             </a:r>
             <a:r>
               <a:rPr lang="zh-CN" altLang="en-US" dirty="0" smtClean="0"/>
-              <a:t>代码</a:t>
-            </a:r>
-            <a:r>
-              <a:rPr lang="zh-CN" altLang="en-US" dirty="0" smtClean="0"/>
-              <a:t>；增加了</a:t>
+              <a:t>行）；增加了</a:t>
             </a:r>
             <a:r>
               <a:rPr lang="en-US" altLang="zh-CN" dirty="0" smtClean="0"/>
@@ -5800,7 +5820,30 @@
             </a:r>
             <a:r>
               <a:rPr lang="zh-CN" altLang="en-US" dirty="0" smtClean="0"/>
-              <a:t>表；增加了一</a:t>
+              <a:t>表（当前</a:t>
+            </a:r>
+            <a:r>
+              <a:rPr lang="en-US" altLang="zh-CN" dirty="0" smtClean="0"/>
+              <a:t>62</a:t>
+            </a:r>
+            <a:r>
+              <a:rPr lang="zh-CN" altLang="en-US" dirty="0" smtClean="0"/>
+              <a:t>张表）；</a:t>
+            </a:r>
+            <a:endParaRPr lang="en-US" altLang="zh-CN" dirty="0" smtClean="0"/>
+          </a:p>
+          <a:p>
+            <a:r>
+              <a:rPr lang="en-US" altLang="zh-CN" dirty="0"/>
+              <a:t> </a:t>
+            </a:r>
+            <a:r>
+              <a:rPr lang="en-US" altLang="zh-CN" dirty="0" smtClean="0"/>
+              <a:t>        </a:t>
+            </a:r>
+            <a:r>
+              <a:rPr lang="zh-CN" altLang="en-US" dirty="0" smtClean="0"/>
+              <a:t>增加了一</a:t>
             </a:r>
             <a:r>
               <a:rPr lang="zh-CN" altLang="en-US" dirty="0" smtClean="0"/>
@@ -5812,11 +5855,12 @@
             </a:r>
             <a:r>
               <a:rPr lang="zh-CN" altLang="en-US" dirty="0" smtClean="0"/>
-              <a:t>的测试场景；</a:t>
-            </a:r>
-            <a:endParaRPr lang="en-US" altLang="zh-CN" dirty="0" smtClean="0"/>
-          </a:p>
-          <a:p>
+              <a:t>的测试</a:t>
+            </a:r>
+            <a:r>
+              <a:rPr lang="zh-CN" altLang="en-US" dirty="0" smtClean="0"/>
+              <a:t>场景（包含了初诊、复诊）；</a:t>
+            </a:r>
             <a:endParaRPr lang="en-US" altLang="zh-CN" dirty="0" smtClean="0"/>
           </a:p>
           <a:p>
@@ -6953,6 +6997,177 @@
           </a:p>
         </p:txBody>
       </p:sp>
+      <p:sp>
+        <p:nvSpPr>
+          <p:cNvPr id="43" name="文本框 42"/>
+          <p:cNvSpPr txBox="1"/>
+          <p:nvPr/>
+        </p:nvSpPr>
+        <p:spPr>
+          <a:xfrm>
+            <a:off x="660262" y="5324295"/>
+            <a:ext cx="1107996" cy="369332"/>
+          </a:xfrm>
+          <a:prstGeom prst="rect">
+            <a:avLst/>
+          </a:prstGeom>
+          <a:noFill/>
+        </p:spPr>
+        <p:txBody>
+          <a:bodyPr wrap="none" rtlCol="0">
+            <a:spAutoFit/>
+          </a:bodyPr>
+          <a:lstStyle/>
+          <a:p>
+            <a:r>
+              <a:rPr lang="zh-CN" altLang="en-US" dirty="0" smtClean="0">
+                <a:solidFill>
+                  <a:srgbClr val="FF0000"/>
+                </a:solidFill>
+              </a:rPr>
+              <a:t>黑中有灰</a:t>
+            </a:r>
+            <a:endParaRPr lang="zh-CN" altLang="en-US" dirty="0">
+              <a:solidFill>
+                <a:srgbClr val="FF0000"/>
+              </a:solidFill>
+            </a:endParaRPr>
+          </a:p>
+        </p:txBody>
+      </p:sp>
+      <p:sp>
+        <p:nvSpPr>
+          <p:cNvPr id="44" name="文本框 43"/>
+          <p:cNvSpPr txBox="1"/>
+          <p:nvPr/>
+        </p:nvSpPr>
+        <p:spPr>
+          <a:xfrm>
+            <a:off x="627617" y="3859122"/>
+            <a:ext cx="1107996" cy="369332"/>
+          </a:xfrm>
+          <a:prstGeom prst="rect">
+            <a:avLst/>
+          </a:prstGeom>
+          <a:noFill/>
+        </p:spPr>
+        <p:txBody>
+          <a:bodyPr wrap="none" rtlCol="0">
+            <a:spAutoFit/>
+          </a:bodyPr>
+          <a:lstStyle/>
+          <a:p>
+            <a:r>
+              <a:rPr lang="zh-CN" altLang="en-US" dirty="0" smtClean="0">
+                <a:solidFill>
+                  <a:srgbClr val="FF0000"/>
+                </a:solidFill>
+              </a:rPr>
+              <a:t>灰中有</a:t>
+            </a:r>
+            <a:r>
+              <a:rPr lang="zh-CN" altLang="en-US" dirty="0">
+                <a:solidFill>
+                  <a:srgbClr val="FF0000"/>
+                </a:solidFill>
+              </a:rPr>
+              <a:t>黑</a:t>
+            </a:r>
+          </a:p>
+        </p:txBody>
+      </p:sp>
+      <p:sp>
+        <p:nvSpPr>
+          <p:cNvPr id="45" name="矩形 44"/>
+          <p:cNvSpPr/>
+          <p:nvPr/>
+        </p:nvSpPr>
+        <p:spPr>
+          <a:xfrm>
+            <a:off x="6884858" y="4892725"/>
+            <a:ext cx="553000" cy="861203"/>
+          </a:xfrm>
+          <a:prstGeom prst="rect">
+            <a:avLst/>
+          </a:prstGeom>
+          <a:noFill/>
+          <a:ln w="25400">
+            <a:solidFill>
+              <a:srgbClr val="FF0000"/>
+            </a:solidFill>
+          </a:ln>
+        </p:spPr>
+        <p:style>
+          <a:lnRef idx="2">
+            <a:schemeClr val="accent1">
+              <a:shade val="50000"/>
+            </a:schemeClr>
+          </a:lnRef>
+          <a:fillRef idx="1">
+            <a:schemeClr val="accent1"/>
+          </a:fillRef>
+          <a:effectRef idx="0">
+            <a:schemeClr val="accent1"/>
+          </a:effectRef>
+          <a:fontRef idx="minor">
+            <a:schemeClr val="lt1"/>
+          </a:fontRef>
+        </p:style>
+        <p:txBody>
+          <a:bodyPr rtlCol="0" anchor="ctr"/>
+          <a:lstStyle/>
+          <a:p>
+            <a:pPr algn="ctr"/>
+            <a:endParaRPr lang="zh-CN" altLang="en-US"/>
+          </a:p>
+        </p:txBody>
+      </p:sp>
+      <p:sp>
+        <p:nvSpPr>
+          <p:cNvPr id="46" name="矩形 45"/>
+          <p:cNvSpPr/>
+          <p:nvPr/>
+        </p:nvSpPr>
+        <p:spPr>
+          <a:xfrm>
+            <a:off x="4484418" y="4116591"/>
+            <a:ext cx="579951" cy="396574"/>
+          </a:xfrm>
+          <a:prstGeom prst="rect">
+            <a:avLst/>
+          </a:prstGeom>
+          <a:noFill/>
+          <a:ln w="25400">
+            <a:solidFill>
+              <a:srgbClr val="FF0000"/>
+            </a:solidFill>
+          </a:ln>
+        </p:spPr>
+        <p:style>
+          <a:lnRef idx="2">
+            <a:schemeClr val="accent1">
+              <a:shade val="50000"/>
+            </a:schemeClr>
+          </a:lnRef>
+          <a:fillRef idx="1">
+            <a:schemeClr val="accent1"/>
+          </a:fillRef>
+          <a:effectRef idx="0">
+            <a:schemeClr val="accent1"/>
+          </a:effectRef>
+          <a:fontRef idx="minor">
+            <a:schemeClr val="lt1"/>
+          </a:fontRef>
+        </p:style>
+        <p:txBody>
+          <a:bodyPr rtlCol="0" anchor="ctr"/>
+          <a:lstStyle/>
+          <a:p>
+            <a:pPr algn="ctr"/>
+            <a:endParaRPr lang="zh-CN" altLang="en-US"/>
+          </a:p>
+        </p:txBody>
+      </p:sp>
     </p:spTree>
     <p:extLst>
       <p:ext uri="{BB962C8B-B14F-4D97-AF65-F5344CB8AC3E}">
@@ -7007,7 +7222,23 @@
           <a:p>
             <a:r>
               <a:rPr lang="zh-CN" altLang="en-US" dirty="0" smtClean="0"/>
-              <a:t>内核化（续）</a:t>
+              <a:t>内核化</a:t>
+            </a:r>
+            <a:r>
+              <a:rPr lang="en-US" altLang="zh-CN" dirty="0" smtClean="0"/>
+              <a:t>[</a:t>
+            </a:r>
+            <a:r>
+              <a:rPr lang="zh-CN" altLang="en-US" dirty="0" smtClean="0"/>
+              <a:t>分工</a:t>
+            </a:r>
+            <a:r>
+              <a:rPr lang="en-US" altLang="zh-CN" dirty="0" smtClean="0"/>
+              <a:t>]</a:t>
+            </a:r>
+            <a:r>
+              <a:rPr lang="zh-CN" altLang="en-US" dirty="0" smtClean="0"/>
+              <a:t>（续）</a:t>
             </a:r>
             <a:endParaRPr lang="zh-CN" altLang="en-US" dirty="0"/>
           </a:p>
@@ -7687,7 +7918,7 @@
             </a:r>
             <a:r>
               <a:rPr lang="zh-CN" altLang="en-US" dirty="0" smtClean="0"/>
-              <a:t>来创建批量执行任务，可以应用在批量执行医嘱的场景下（如：配液）</a:t>
+              <a:t>来创建批量执行任务，可以应用在批量执行医嘱的场景下（如：配液、检查等）</a:t>
             </a:r>
             <a:endParaRPr lang="zh-CN" altLang="en-US" dirty="0"/>
           </a:p>
@@ -7786,7 +8017,7 @@
         </p:spPr>
         <p:txBody>
           <a:bodyPr>
-            <a:normAutofit/>
+            <a:normAutofit fontScale="85000" lnSpcReduction="10000"/>
           </a:bodyPr>
           <a:lstStyle/>
           <a:p>
@@ -7819,7 +8050,23 @@
                   <a:schemeClr val="bg1"/>
                 </a:solidFill>
               </a:rPr>
-              <a:t>佩（医嘱重要性、角色职责、业务知识）</a:t>
+              <a:t>佩</a:t>
+            </a:r>
+            <a:r>
+              <a:rPr lang="zh-CN" altLang="en-US" dirty="0" smtClean="0">
+                <a:solidFill>
+                  <a:schemeClr val="bg1"/>
+                </a:solidFill>
+              </a:rPr>
+              <a:t>（角色</a:t>
+            </a:r>
+            <a:r>
+              <a:rPr lang="zh-CN" altLang="en-US" dirty="0" smtClean="0">
+                <a:solidFill>
+                  <a:schemeClr val="bg1"/>
+                </a:solidFill>
+              </a:rPr>
+              <a:t>职责、业务知识）</a:t>
             </a:r>
             <a:endParaRPr lang="en-US" altLang="zh-CN" dirty="0" smtClean="0">
               <a:solidFill>
@@ -7834,7 +8081,23 @@
                   <a:schemeClr val="bg1"/>
                 </a:solidFill>
               </a:rPr>
-              <a:t>雷永建（病历、设计思路交流、业务知识）</a:t>
+              <a:t>雷永建</a:t>
+            </a:r>
+            <a:r>
+              <a:rPr lang="zh-CN" altLang="en-US" dirty="0" smtClean="0">
+                <a:solidFill>
+                  <a:schemeClr val="bg1"/>
+                </a:solidFill>
+              </a:rPr>
+              <a:t>（设计</a:t>
+            </a:r>
+            <a:r>
+              <a:rPr lang="zh-CN" altLang="en-US" dirty="0" smtClean="0">
+                <a:solidFill>
+                  <a:schemeClr val="bg1"/>
+                </a:solidFill>
+              </a:rPr>
+              <a:t>思路交流、业务知识）</a:t>
             </a:r>
             <a:endParaRPr lang="en-US" altLang="zh-CN" dirty="0" smtClean="0">
               <a:solidFill>
@@ -7849,15 +8112,7 @@
                   <a:schemeClr val="bg1"/>
                 </a:solidFill>
               </a:rPr>
-              <a:t>郑勋（病历、医嘱</a:t>
-            </a:r>
-            <a:r>
-              <a:rPr lang="zh-CN" altLang="en-US" dirty="0">
-                <a:solidFill>
-                  <a:schemeClr val="bg1"/>
-                </a:solidFill>
-              </a:rPr>
-              <a:t>、设计思路交流</a:t>
+              <a:t>郑勋</a:t>
             </a:r>
             <a:r>
               <a:rPr lang="zh-CN" altLang="en-US" dirty="0" smtClean="0">
@@ -7865,7 +8120,15 @@
                   <a:schemeClr val="bg1"/>
                 </a:solidFill>
               </a:rPr>
-              <a:t>、业务知识）</a:t>
+              <a:t>（业务</a:t>
+            </a:r>
+            <a:r>
+              <a:rPr lang="zh-CN" altLang="en-US" dirty="0" smtClean="0">
+                <a:solidFill>
+                  <a:schemeClr val="bg1"/>
+                </a:solidFill>
+              </a:rPr>
+              <a:t>知识）</a:t>
             </a:r>
             <a:endParaRPr lang="en-US" altLang="zh-CN" dirty="0" smtClean="0">
               <a:solidFill>
@@ -8043,6 +8306,52 @@
                 </a:solidFill>
               </a:rPr>
               <a:t>梁俊泽（药房业务、软件设计）</a:t>
+            </a:r>
+            <a:endParaRPr lang="en-US" altLang="zh-CN" dirty="0" smtClean="0">
+              <a:solidFill>
+                <a:schemeClr val="bg1"/>
+              </a:solidFill>
+            </a:endParaRPr>
+          </a:p>
+          <a:p>
+            <a:r>
+              <a:rPr lang="zh-CN" altLang="en-US" dirty="0">
+                <a:solidFill>
+                  <a:schemeClr val="bg1"/>
+                </a:solidFill>
+              </a:rPr>
+              <a:t>王海</a:t>
+            </a:r>
+            <a:r>
+              <a:rPr lang="zh-CN" altLang="en-US" dirty="0" smtClean="0">
+                <a:solidFill>
+                  <a:schemeClr val="bg1"/>
+                </a:solidFill>
+              </a:rPr>
+              <a:t>勋（检验业务）</a:t>
+            </a:r>
+            <a:endParaRPr lang="en-US" altLang="zh-CN" dirty="0" smtClean="0">
+              <a:solidFill>
+                <a:schemeClr val="bg1"/>
+              </a:solidFill>
+            </a:endParaRPr>
+          </a:p>
+          <a:p>
+            <a:r>
+              <a:rPr lang="zh-CN" altLang="en-US" dirty="0">
+                <a:solidFill>
+                  <a:schemeClr val="bg1"/>
+                </a:solidFill>
+              </a:rPr>
+              <a:t>曾凡</a:t>
+            </a:r>
+            <a:r>
+              <a:rPr lang="zh-CN" altLang="en-US" dirty="0" smtClean="0">
+                <a:solidFill>
+                  <a:schemeClr val="bg1"/>
+                </a:solidFill>
+              </a:rPr>
+              <a:t>涛（药房业务 药王）</a:t>
             </a:r>
             <a:endParaRPr lang="en-US" altLang="zh-CN" dirty="0" smtClean="0">
               <a:solidFill>

--- a/doc/状态报告 2017-6-2.pptx
+++ b/doc/状态报告 2017-6-2.pptx
@@ -258,7 +258,7 @@
           <a:p>
             <a:fld id="{29B492E7-68E3-4B7D-BE2B-78DBE70AEB71}" type="datetimeFigureOut">
               <a:rPr lang="zh-CN" altLang="en-US" smtClean="0"/>
-              <a:t>2017/6/2</a:t>
+              <a:t>2017/6/5</a:t>
             </a:fld>
             <a:endParaRPr lang="zh-CN" altLang="en-US"/>
           </a:p>
@@ -422,7 +422,7 @@
           </a:lstStyle>
           <a:p>
             <a:fld id="{EC13577B-6902-467D-A26C-08A0DD5E4E03}" type="datetimeFigureOut">
-              <a:t>2017/6/2</a:t>
+              <a:t>2017/6/5</a:t>
             </a:fld>
             <a:endParaRPr lang="zh-CN"/>
           </a:p>
@@ -972,7 +972,7 @@
           <a:lstStyle/>
           <a:p>
             <a:fld id="{8BEEBAAA-29B5-4AF5-BC5F-7E580C29002D}" type="datetimeFigureOut">
-              <a:t>2017/6/2</a:t>
+              <a:t>2017/6/5</a:t>
             </a:fld>
             <a:endParaRPr lang="zh-CN"/>
           </a:p>
@@ -1247,7 +1247,7 @@
           <a:lstStyle/>
           <a:p>
             <a:fld id="{8BEEBAAA-29B5-4AF5-BC5F-7E580C29002D}" type="datetimeFigureOut">
-              <a:t>2017/6/2</a:t>
+              <a:t>2017/6/5</a:t>
             </a:fld>
             <a:endParaRPr lang="zh-CN"/>
           </a:p>
@@ -1527,7 +1527,7 @@
           <a:lstStyle/>
           <a:p>
             <a:fld id="{8BEEBAAA-29B5-4AF5-BC5F-7E580C29002D}" type="datetimeFigureOut">
-              <a:t>2017/6/2</a:t>
+              <a:t>2017/6/5</a:t>
             </a:fld>
             <a:endParaRPr lang="zh-CN"/>
           </a:p>
@@ -1886,7 +1886,7 @@
           <a:lstStyle/>
           <a:p>
             <a:fld id="{8BEEBAAA-29B5-4AF5-BC5F-7E580C29002D}" type="datetimeFigureOut">
-              <a:t>2017/6/2</a:t>
+              <a:t>2017/6/5</a:t>
             </a:fld>
             <a:endParaRPr lang="zh-CN"/>
           </a:p>
@@ -2184,7 +2184,7 @@
           <a:lstStyle/>
           <a:p>
             <a:fld id="{8BEEBAAA-29B5-4AF5-BC5F-7E580C29002D}" type="datetimeFigureOut">
-              <a:t>2017/6/2</a:t>
+              <a:t>2017/6/5</a:t>
             </a:fld>
             <a:endParaRPr lang="zh-CN"/>
           </a:p>
@@ -2697,7 +2697,7 @@
           <a:lstStyle/>
           <a:p>
             <a:fld id="{8BEEBAAA-29B5-4AF5-BC5F-7E580C29002D}" type="datetimeFigureOut">
-              <a:t>2017/6/2</a:t>
+              <a:t>2017/6/5</a:t>
             </a:fld>
             <a:endParaRPr lang="zh-CN"/>
           </a:p>
@@ -3340,7 +3340,7 @@
           <a:lstStyle/>
           <a:p>
             <a:fld id="{8BEEBAAA-29B5-4AF5-BC5F-7E580C29002D}" type="datetimeFigureOut">
-              <a:t>2017/6/2</a:t>
+              <a:t>2017/6/5</a:t>
             </a:fld>
             <a:endParaRPr lang="zh-CN"/>
           </a:p>
@@ -3563,7 +3563,7 @@
           <a:lstStyle/>
           <a:p>
             <a:fld id="{8BEEBAAA-29B5-4AF5-BC5F-7E580C29002D}" type="datetimeFigureOut">
-              <a:t>2017/6/2</a:t>
+              <a:t>2017/6/5</a:t>
             </a:fld>
             <a:endParaRPr lang="zh-CN"/>
           </a:p>
@@ -3702,7 +3702,7 @@
           <a:lstStyle/>
           <a:p>
             <a:fld id="{8BEEBAAA-29B5-4AF5-BC5F-7E580C29002D}" type="datetimeFigureOut">
-              <a:t>2017/6/2</a:t>
+              <a:t>2017/6/5</a:t>
             </a:fld>
             <a:endParaRPr lang="zh-CN"/>
           </a:p>
@@ -4037,7 +4037,7 @@
           <a:lstStyle/>
           <a:p>
             <a:fld id="{8BEEBAAA-29B5-4AF5-BC5F-7E580C29002D}" type="datetimeFigureOut">
-              <a:t>2017/6/2</a:t>
+              <a:t>2017/6/5</a:t>
             </a:fld>
             <a:endParaRPr lang="zh-CN"/>
           </a:p>
@@ -4292,7 +4292,7 @@
           <a:lstStyle/>
           <a:p>
             <a:fld id="{8BEEBAAA-29B5-4AF5-BC5F-7E580C29002D}" type="datetimeFigureOut">
-              <a:t>2017/6/2</a:t>
+              <a:t>2017/6/5</a:t>
             </a:fld>
             <a:endParaRPr lang="zh-CN"/>
           </a:p>
@@ -4505,7 +4505,7 @@
             <a:fld id="{8BEEBAAA-29B5-4AF5-BC5F-7E580C29002D}" type="datetimeFigureOut">
               <a:rPr lang="en-US" altLang="zh-CN" smtClean="0"/>
               <a:pPr/>
-              <a:t>6/2/2017</a:t>
+              <a:t>6/5/2017</a:t>
             </a:fld>
             <a:endParaRPr lang="zh-CN" altLang="en-US"/>
           </a:p>
@@ -5184,11 +5184,7 @@
           <a:p>
             <a:r>
               <a:rPr lang="zh-CN" altLang="en-US" dirty="0" smtClean="0"/>
-              <a:t>对于</a:t>
-            </a:r>
-            <a:r>
-              <a:rPr lang="zh-CN" altLang="en-US" dirty="0" smtClean="0"/>
-              <a:t>该工作与现存研发工作的关系未明确</a:t>
+              <a:t>对于该工作与现存研发工作的关系未明确</a:t>
             </a:r>
             <a:endParaRPr lang="en-US" altLang="zh-CN" dirty="0"/>
           </a:p>
@@ -5326,7 +5322,6 @@
               <a:rPr lang="zh-CN" altLang="en-US" dirty="0"/>
               <a:t>选择</a:t>
             </a:r>
-            <a:endParaRPr lang="zh-CN" altLang="en-US" dirty="0"/>
           </a:p>
         </p:txBody>
       </p:sp>
@@ -5629,19 +5624,11 @@
             </a:r>
             <a:r>
               <a:rPr lang="zh-CN" altLang="en-US" dirty="0" smtClean="0"/>
-              <a:t>（</a:t>
-            </a:r>
-            <a:r>
-              <a:rPr lang="zh-CN" altLang="en-US" dirty="0" smtClean="0"/>
-              <a:t>约</a:t>
+              <a:t>（约</a:t>
             </a:r>
             <a:r>
               <a:rPr lang="en-US" altLang="zh-CN" dirty="0" smtClean="0"/>
-              <a:t>3</a:t>
-            </a:r>
-            <a:r>
-              <a:rPr lang="en-US" altLang="zh-CN" dirty="0" smtClean="0"/>
-              <a:t>0</a:t>
+              <a:t>30</a:t>
             </a:r>
             <a:r>
               <a:rPr lang="zh-CN" altLang="en-US" dirty="0" smtClean="0"/>
@@ -5652,15 +5639,7 @@
           <a:p>
             <a:r>
               <a:rPr lang="zh-CN" altLang="en-US" dirty="0" smtClean="0"/>
-              <a:t>工作展开方式：</a:t>
-            </a:r>
-            <a:r>
-              <a:rPr lang="zh-CN" altLang="en-US" dirty="0" smtClean="0"/>
-              <a:t>以上一轮工作成果为基础，展开内核化探索，结合架构规划工作的成果、以</a:t>
-            </a:r>
-            <a:r>
-              <a:rPr lang="zh-CN" altLang="en-US" dirty="0" smtClean="0"/>
-              <a:t>邮件的形式让大家了解工作的进展</a:t>
+              <a:t>工作展开方式：以上一轮工作成果为基础，展开内核化探索，结合架构规划工作的成果、以邮件的形式让大家了解工作的进展</a:t>
             </a:r>
             <a:endParaRPr lang="en-US" altLang="zh-CN" dirty="0" smtClean="0"/>
           </a:p>
@@ -5691,11 +5670,7 @@
             </a:r>
             <a:r>
               <a:rPr lang="zh-CN" altLang="en-US" dirty="0" smtClean="0"/>
-              <a:t>（本轮共</a:t>
-            </a:r>
-            <a:r>
-              <a:rPr lang="zh-CN" altLang="en-US" dirty="0" smtClean="0"/>
-              <a:t>保存了</a:t>
+              <a:t>（本轮共保存了</a:t>
             </a:r>
             <a:r>
               <a:rPr lang="en-US" altLang="zh-CN" dirty="0" smtClean="0"/>
@@ -5769,11 +5744,7 @@
             </a:r>
             <a:r>
               <a:rPr lang="zh-CN" altLang="en-US" dirty="0" smtClean="0"/>
-              <a:t>页；丰富了由</a:t>
-            </a:r>
-            <a:r>
-              <a:rPr lang="zh-CN" altLang="en-US" dirty="0" smtClean="0"/>
-              <a:t>业务到设计的模型；</a:t>
+              <a:t>页；丰富了由业务到设计的模型；</a:t>
             </a:r>
             <a:endParaRPr lang="en-US" altLang="zh-CN" dirty="0" smtClean="0"/>
           </a:p>
@@ -5812,15 +5783,7 @@
             </a:r>
             <a:r>
               <a:rPr lang="zh-CN" altLang="en-US" dirty="0" smtClean="0"/>
-              <a:t>张</a:t>
-            </a:r>
-            <a:r>
-              <a:rPr lang="zh-CN" altLang="en-US" dirty="0" smtClean="0"/>
-              <a:t>数据库</a:t>
-            </a:r>
-            <a:r>
-              <a:rPr lang="zh-CN" altLang="en-US" dirty="0" smtClean="0"/>
-              <a:t>表（当前</a:t>
+              <a:t>张数据库表（当前</a:t>
             </a:r>
             <a:r>
               <a:rPr lang="en-US" altLang="zh-CN" dirty="0" smtClean="0"/>
@@ -5843,23 +5806,7 @@
             </a:r>
             <a:r>
               <a:rPr lang="zh-CN" altLang="en-US" dirty="0" smtClean="0"/>
-              <a:t>增加了一</a:t>
-            </a:r>
-            <a:r>
-              <a:rPr lang="zh-CN" altLang="en-US" dirty="0" smtClean="0"/>
-              <a:t>组模拟</a:t>
-            </a:r>
-            <a:r>
-              <a:rPr lang="zh-CN" altLang="en-US" dirty="0" smtClean="0"/>
-              <a:t>患者门诊看病流程</a:t>
-            </a:r>
-            <a:r>
-              <a:rPr lang="zh-CN" altLang="en-US" dirty="0" smtClean="0"/>
-              <a:t>的测试</a:t>
-            </a:r>
-            <a:r>
-              <a:rPr lang="zh-CN" altLang="en-US" dirty="0" smtClean="0"/>
-              <a:t>场景（包含了初诊、复诊）；</a:t>
+              <a:t>增加了一组模拟患者门诊看病流程的测试场景（包含了初诊、复诊）；</a:t>
             </a:r>
             <a:endParaRPr lang="en-US" altLang="zh-CN" dirty="0" smtClean="0"/>
           </a:p>
@@ -5945,15 +5892,7 @@
           <a:p>
             <a:r>
               <a:rPr lang="zh-CN" altLang="en-US" dirty="0" smtClean="0"/>
-              <a:t>状态说明</a:t>
-            </a:r>
-            <a:r>
-              <a:rPr lang="zh-CN" altLang="en-US" dirty="0" smtClean="0"/>
-              <a:t>（过程 满意</a:t>
-            </a:r>
-            <a:r>
-              <a:rPr lang="zh-CN" altLang="en-US" dirty="0" smtClean="0"/>
-              <a:t>度：</a:t>
+              <a:t>状态说明（过程 满意度：</a:t>
             </a:r>
             <a:r>
               <a:rPr lang="en-US" altLang="zh-CN" dirty="0" smtClean="0">
@@ -5995,23 +5934,7 @@
             </a:r>
             <a:r>
               <a:rPr lang="zh-CN" altLang="en-US" dirty="0" smtClean="0"/>
-              <a:t>了门诊看病业务</a:t>
-            </a:r>
-            <a:r>
-              <a:rPr lang="zh-CN" altLang="en-US" dirty="0" smtClean="0"/>
-              <a:t>流程</a:t>
-            </a:r>
-            <a:r>
-              <a:rPr lang="zh-CN" altLang="en-US" dirty="0" smtClean="0"/>
-              <a:t>，优化了医嘱执行，使其能够同时满足住院和门诊，增加了门诊科室、门诊部、门诊输液中心等</a:t>
-            </a:r>
-            <a:r>
-              <a:rPr lang="zh-CN" altLang="en-US" dirty="0" smtClean="0"/>
-              <a:t>相关</a:t>
-            </a:r>
-            <a:r>
-              <a:rPr lang="zh-CN" altLang="en-US" dirty="0" smtClean="0"/>
-              <a:t>科室</a:t>
+              <a:t>了门诊看病业务流程，优化了医嘱执行，使其能够同时满足住院和门诊，增加了门诊科室、门诊部、门诊输液中心等相关科室</a:t>
             </a:r>
             <a:r>
               <a:rPr lang="zh-CN" altLang="en-US" dirty="0"/>
@@ -6257,98 +6180,9 @@
           <a:chExt cx="0" cy="0"/>
         </a:xfrm>
       </p:grpSpPr>
-      <p:sp>
-        <p:nvSpPr>
-          <p:cNvPr id="2" name="标题 1"/>
-          <p:cNvSpPr>
-            <a:spLocks noGrp="1"/>
-          </p:cNvSpPr>
-          <p:nvPr>
-            <p:ph type="title"/>
-          </p:nvPr>
-        </p:nvSpPr>
-        <p:spPr/>
-        <p:txBody>
-          <a:bodyPr/>
-          <a:lstStyle/>
-          <a:p>
-            <a:r>
-              <a:rPr lang="zh-CN" altLang="en-US" dirty="0" smtClean="0"/>
-              <a:t>状态</a:t>
-            </a:r>
-            <a:r>
-              <a:rPr lang="zh-CN" altLang="en-US" dirty="0"/>
-              <a:t>说明</a:t>
-            </a:r>
-            <a:r>
-              <a:rPr lang="zh-CN" altLang="en-US" dirty="0" smtClean="0"/>
-              <a:t>（内核化 满意</a:t>
-            </a:r>
-            <a:r>
-              <a:rPr lang="zh-CN" altLang="en-US" dirty="0"/>
-              <a:t>度： </a:t>
-            </a:r>
-            <a:r>
-              <a:rPr lang="en-US" altLang="zh-CN" dirty="0">
-                <a:sym typeface="Wingdings" panose="05000000000000000000" pitchFamily="2" charset="2"/>
-              </a:rPr>
-              <a:t></a:t>
-            </a:r>
-            <a:r>
-              <a:rPr lang="zh-CN" altLang="en-US" dirty="0" smtClean="0"/>
-              <a:t>）</a:t>
-            </a:r>
-            <a:endParaRPr lang="zh-CN" altLang="en-US" dirty="0"/>
-          </a:p>
-        </p:txBody>
-      </p:sp>
-      <p:sp>
-        <p:nvSpPr>
-          <p:cNvPr id="3" name="内容占位符 2"/>
-          <p:cNvSpPr>
-            <a:spLocks noGrp="1"/>
-          </p:cNvSpPr>
-          <p:nvPr>
-            <p:ph idx="1"/>
-          </p:nvPr>
-        </p:nvSpPr>
-        <p:spPr>
-          <a:xfrm>
-            <a:off x="838201" y="1825625"/>
-            <a:ext cx="10211872" cy="4351338"/>
-          </a:xfrm>
-        </p:spPr>
-        <p:txBody>
-          <a:bodyPr/>
-          <a:lstStyle/>
-          <a:p>
-            <a:r>
-              <a:rPr lang="zh-CN" altLang="en-US" dirty="0" smtClean="0"/>
-              <a:t>对工作目标中</a:t>
-            </a:r>
-            <a:r>
-              <a:rPr lang="en-US" altLang="zh-CN" dirty="0" smtClean="0"/>
-              <a:t>【</a:t>
-            </a:r>
-            <a:r>
-              <a:rPr lang="zh-CN" altLang="zh-CN" b="1" dirty="0"/>
-              <a:t>提供一个展现将复杂业务软件系统的按着可变性的不同分为黑盒、灰盒和白盒复用的三个层次，并对不同层次研发的方法、质量提出具体的要求</a:t>
-            </a:r>
-            <a:r>
-              <a:rPr lang="en-US" altLang="zh-CN" dirty="0" smtClean="0"/>
-              <a:t>】</a:t>
-            </a:r>
-            <a:r>
-              <a:rPr lang="zh-CN" altLang="en-US" dirty="0" smtClean="0"/>
-              <a:t>做了进一步的探索</a:t>
-            </a:r>
-            <a:endParaRPr lang="zh-CN" altLang="en-US" dirty="0"/>
-          </a:p>
-        </p:txBody>
-      </p:sp>
       <p:pic>
         <p:nvPicPr>
-          <p:cNvPr id="4" name="图片 3"/>
+          <p:cNvPr id="5" name="图片 4"/>
           <p:cNvPicPr>
             <a:picLocks noChangeAspect="1"/>
           </p:cNvPicPr>
@@ -6362,14 +6196,103 @@
         </p:blipFill>
         <p:spPr>
           <a:xfrm>
-            <a:off x="4111539" y="2485264"/>
-            <a:ext cx="3549349" cy="4308456"/>
+            <a:off x="4154854" y="2429399"/>
+            <a:ext cx="3161325" cy="4492337"/>
           </a:xfrm>
           <a:prstGeom prst="rect">
             <a:avLst/>
           </a:prstGeom>
         </p:spPr>
       </p:pic>
+      <p:sp>
+        <p:nvSpPr>
+          <p:cNvPr id="2" name="标题 1"/>
+          <p:cNvSpPr>
+            <a:spLocks noGrp="1"/>
+          </p:cNvSpPr>
+          <p:nvPr>
+            <p:ph type="title"/>
+          </p:nvPr>
+        </p:nvSpPr>
+        <p:spPr/>
+        <p:txBody>
+          <a:bodyPr/>
+          <a:lstStyle/>
+          <a:p>
+            <a:r>
+              <a:rPr lang="zh-CN" altLang="en-US" dirty="0" smtClean="0"/>
+              <a:t>状态</a:t>
+            </a:r>
+            <a:r>
+              <a:rPr lang="zh-CN" altLang="en-US" dirty="0"/>
+              <a:t>说明</a:t>
+            </a:r>
+            <a:r>
+              <a:rPr lang="zh-CN" altLang="en-US" dirty="0" smtClean="0"/>
+              <a:t>（内核化 满意</a:t>
+            </a:r>
+            <a:r>
+              <a:rPr lang="zh-CN" altLang="en-US" dirty="0"/>
+              <a:t>度： </a:t>
+            </a:r>
+            <a:r>
+              <a:rPr lang="en-US" altLang="zh-CN" dirty="0">
+                <a:sym typeface="Wingdings" panose="05000000000000000000" pitchFamily="2" charset="2"/>
+              </a:rPr>
+              <a:t></a:t>
+            </a:r>
+            <a:r>
+              <a:rPr lang="zh-CN" altLang="en-US" dirty="0" smtClean="0"/>
+              <a:t>）</a:t>
+            </a:r>
+            <a:endParaRPr lang="zh-CN" altLang="en-US" dirty="0"/>
+          </a:p>
+        </p:txBody>
+      </p:sp>
+      <p:sp>
+        <p:nvSpPr>
+          <p:cNvPr id="3" name="内容占位符 2"/>
+          <p:cNvSpPr>
+            <a:spLocks noGrp="1"/>
+          </p:cNvSpPr>
+          <p:nvPr>
+            <p:ph idx="1"/>
+          </p:nvPr>
+        </p:nvSpPr>
+        <p:spPr>
+          <a:xfrm>
+            <a:off x="838201" y="1825625"/>
+            <a:ext cx="10211872" cy="4351338"/>
+          </a:xfrm>
+        </p:spPr>
+        <p:txBody>
+          <a:bodyPr/>
+          <a:lstStyle/>
+          <a:p>
+            <a:r>
+              <a:rPr lang="zh-CN" altLang="en-US" dirty="0" smtClean="0"/>
+              <a:t>对工作目标中</a:t>
+            </a:r>
+            <a:r>
+              <a:rPr lang="en-US" altLang="zh-CN" dirty="0" smtClean="0"/>
+              <a:t>【</a:t>
+            </a:r>
+            <a:r>
+              <a:rPr lang="zh-CN" altLang="zh-CN" b="1" dirty="0"/>
+              <a:t>提供一个展现将复杂业务软件系统的按着可变性的不同分为黑盒、灰盒和白盒复用的三个层次，并对不同层次研发的方法、质量提出具体的要求</a:t>
+            </a:r>
+            <a:r>
+              <a:rPr lang="en-US" altLang="zh-CN" dirty="0" smtClean="0"/>
+              <a:t>】</a:t>
+            </a:r>
+            <a:r>
+              <a:rPr lang="zh-CN" altLang="en-US" dirty="0" smtClean="0"/>
+              <a:t>做了进一步的探索</a:t>
+            </a:r>
+            <a:endParaRPr lang="zh-CN" altLang="en-US" dirty="0"/>
+          </a:p>
+        </p:txBody>
+      </p:sp>
       <p:sp>
         <p:nvSpPr>
           <p:cNvPr id="7" name="文本框 6"/>
@@ -6445,8 +6368,8 @@
         </p:nvCxnSpPr>
         <p:spPr>
           <a:xfrm flipV="1">
-            <a:off x="3389971" y="5979816"/>
-            <a:ext cx="991529" cy="197148"/>
+            <a:off x="3346520" y="6080639"/>
+            <a:ext cx="1009446" cy="166333"/>
           </a:xfrm>
           <a:prstGeom prst="straightConnector1">
             <a:avLst/>
@@ -6478,7 +6401,7 @@
         </p:nvSpPr>
         <p:spPr>
           <a:xfrm>
-            <a:off x="2406157" y="5384596"/>
+            <a:off x="2442506" y="5474066"/>
             <a:ext cx="771365" cy="369332"/>
           </a:xfrm>
           <a:prstGeom prst="rect">
@@ -6512,8 +6435,8 @@
         </p:nvCxnSpPr>
         <p:spPr>
           <a:xfrm>
-            <a:off x="3283746" y="5590746"/>
-            <a:ext cx="1097754" cy="5368"/>
+            <a:off x="3346520" y="5658732"/>
+            <a:ext cx="1160013" cy="9546"/>
           </a:xfrm>
           <a:prstGeom prst="straightConnector1">
             <a:avLst/>
@@ -6545,7 +6468,7 @@
         </p:nvSpPr>
         <p:spPr>
           <a:xfrm>
-            <a:off x="2406157" y="4945255"/>
+            <a:off x="2442506" y="4644374"/>
             <a:ext cx="771365" cy="369332"/>
           </a:xfrm>
           <a:prstGeom prst="rect">
@@ -6579,7 +6502,7 @@
         </p:nvCxnSpPr>
         <p:spPr>
           <a:xfrm flipV="1">
-            <a:off x="3283745" y="5119183"/>
+            <a:off x="3320094" y="4818302"/>
             <a:ext cx="1097755" cy="10740"/>
           </a:xfrm>
           <a:prstGeom prst="straightConnector1">
@@ -6632,7 +6555,7 @@
             </a:r>
             <a:r>
               <a:rPr lang="en-US" altLang="zh-CN" dirty="0"/>
-              <a:t>7</a:t>
+              <a:t>6</a:t>
             </a:r>
             <a:endParaRPr lang="zh-CN" altLang="en-US" dirty="0"/>
           </a:p>
@@ -6641,15 +6564,13 @@
       <p:cxnSp>
         <p:nvCxnSpPr>
           <p:cNvPr id="20" name="直接箭头连接符 19"/>
-          <p:cNvCxnSpPr>
-            <a:stCxn id="19" idx="1"/>
-          </p:cNvCxnSpPr>
+          <p:cNvCxnSpPr/>
           <p:nvPr/>
         </p:nvCxnSpPr>
         <p:spPr>
           <a:xfrm flipH="1" flipV="1">
-            <a:off x="7368142" y="5181976"/>
-            <a:ext cx="841080" cy="17954"/>
+            <a:off x="7048500" y="5199930"/>
+            <a:ext cx="1083293" cy="1"/>
           </a:xfrm>
           <a:prstGeom prst="straightConnector1">
             <a:avLst/>
@@ -6681,7 +6602,7 @@
         </p:nvSpPr>
         <p:spPr>
           <a:xfrm>
-            <a:off x="2426060" y="4143832"/>
+            <a:off x="2420190" y="3897865"/>
             <a:ext cx="771365" cy="369332"/>
           </a:xfrm>
           <a:prstGeom prst="rect">
@@ -6715,7 +6636,7 @@
         </p:nvCxnSpPr>
         <p:spPr>
           <a:xfrm flipV="1">
-            <a:off x="3368826" y="4323131"/>
+            <a:off x="3362956" y="4077164"/>
             <a:ext cx="1165074" cy="5370"/>
           </a:xfrm>
           <a:prstGeom prst="straightConnector1">
@@ -6748,7 +6669,7 @@
         </p:nvSpPr>
         <p:spPr>
           <a:xfrm>
-            <a:off x="2426060" y="3674456"/>
+            <a:off x="2425788" y="3514163"/>
             <a:ext cx="771365" cy="369332"/>
           </a:xfrm>
           <a:prstGeom prst="rect">
@@ -6782,7 +6703,7 @@
         </p:nvCxnSpPr>
         <p:spPr>
           <a:xfrm flipV="1">
-            <a:off x="3346792" y="3927507"/>
+            <a:off x="3346520" y="3767214"/>
             <a:ext cx="1187108" cy="2"/>
           </a:xfrm>
           <a:prstGeom prst="straightConnector1">
@@ -6848,9 +6769,9 @@
           <p:nvPr/>
         </p:nvCxnSpPr>
         <p:spPr>
-          <a:xfrm flipH="1">
-            <a:off x="5593466" y="4001294"/>
-            <a:ext cx="2476114" cy="1"/>
+          <a:xfrm flipH="1" flipV="1">
+            <a:off x="5486400" y="3859122"/>
+            <a:ext cx="2567865" cy="24372"/>
           </a:xfrm>
           <a:prstGeom prst="straightConnector1">
             <a:avLst/>
@@ -6882,7 +6803,7 @@
         </p:nvSpPr>
         <p:spPr>
           <a:xfrm>
-            <a:off x="2406156" y="2873033"/>
+            <a:off x="2420190" y="2783604"/>
             <a:ext cx="771365" cy="369332"/>
           </a:xfrm>
           <a:prstGeom prst="rect">
@@ -6916,7 +6837,7 @@
         </p:nvCxnSpPr>
         <p:spPr>
           <a:xfrm flipV="1">
-            <a:off x="3156534" y="3048917"/>
+            <a:off x="3170568" y="2959488"/>
             <a:ext cx="1352176" cy="2"/>
           </a:xfrm>
           <a:prstGeom prst="straightConnector1">
@@ -7084,8 +7005,8 @@
         </p:nvSpPr>
         <p:spPr>
           <a:xfrm>
-            <a:off x="6884858" y="4892725"/>
-            <a:ext cx="553000" cy="861203"/>
+            <a:off x="6615141" y="4599626"/>
+            <a:ext cx="498802" cy="1380189"/>
           </a:xfrm>
           <a:prstGeom prst="rect">
             <a:avLst/>
@@ -7130,8 +7051,8 @@
         </p:nvSpPr>
         <p:spPr>
           <a:xfrm>
-            <a:off x="4484418" y="4116591"/>
-            <a:ext cx="579951" cy="396574"/>
+            <a:off x="4506533" y="3924919"/>
+            <a:ext cx="545733" cy="372386"/>
           </a:xfrm>
           <a:prstGeom prst="rect">
             <a:avLst/>
@@ -7168,6 +7089,73 @@
           </a:p>
         </p:txBody>
       </p:sp>
+      <p:sp>
+        <p:nvSpPr>
+          <p:cNvPr id="34" name="文本框 33"/>
+          <p:cNvSpPr txBox="1"/>
+          <p:nvPr/>
+        </p:nvSpPr>
+        <p:spPr>
+          <a:xfrm>
+            <a:off x="2442506" y="5097746"/>
+            <a:ext cx="771365" cy="369332"/>
+          </a:xfrm>
+          <a:prstGeom prst="rect">
+            <a:avLst/>
+          </a:prstGeom>
+          <a:noFill/>
+        </p:spPr>
+        <p:txBody>
+          <a:bodyPr wrap="none" rtlCol="0">
+            <a:spAutoFit/>
+          </a:bodyPr>
+          <a:lstStyle/>
+          <a:p>
+            <a:r>
+              <a:rPr lang="zh-CN" altLang="en-US" dirty="0" smtClean="0"/>
+              <a:t>灰度</a:t>
+            </a:r>
+            <a:r>
+              <a:rPr lang="en-US" altLang="zh-CN" dirty="0"/>
+              <a:t>7</a:t>
+            </a:r>
+            <a:endParaRPr lang="zh-CN" altLang="en-US" dirty="0"/>
+          </a:p>
+        </p:txBody>
+      </p:sp>
+      <p:cxnSp>
+        <p:nvCxnSpPr>
+          <p:cNvPr id="36" name="直接箭头连接符 35"/>
+          <p:cNvCxnSpPr/>
+          <p:nvPr/>
+        </p:nvCxnSpPr>
+        <p:spPr>
+          <a:xfrm flipV="1">
+            <a:off x="3339241" y="5324295"/>
+            <a:ext cx="1167292" cy="5370"/>
+          </a:xfrm>
+          <a:prstGeom prst="straightConnector1">
+            <a:avLst/>
+          </a:prstGeom>
+          <a:ln>
+            <a:tailEnd type="triangle"/>
+          </a:ln>
+        </p:spPr>
+        <p:style>
+          <a:lnRef idx="1">
+            <a:schemeClr val="accent1"/>
+          </a:lnRef>
+          <a:fillRef idx="0">
+            <a:schemeClr val="accent1"/>
+          </a:fillRef>
+          <a:effectRef idx="0">
+            <a:schemeClr val="accent1"/>
+          </a:effectRef>
+          <a:fontRef idx="minor">
+            <a:schemeClr val="tx1"/>
+          </a:fontRef>
+        </p:style>
+      </p:cxnSp>
     </p:spTree>
     <p:extLst>
       <p:ext uri="{BB962C8B-B14F-4D97-AF65-F5344CB8AC3E}">
@@ -7948,6 +7936,98 @@
           </a:prstGeom>
         </p:spPr>
       </p:pic>
+      <p:sp>
+        <p:nvSpPr>
+          <p:cNvPr id="5" name="矩形 4"/>
+          <p:cNvSpPr/>
+          <p:nvPr/>
+        </p:nvSpPr>
+        <p:spPr>
+          <a:xfrm>
+            <a:off x="3903532" y="3235375"/>
+            <a:ext cx="2192467" cy="612725"/>
+          </a:xfrm>
+          <a:prstGeom prst="rect">
+            <a:avLst/>
+          </a:prstGeom>
+          <a:noFill/>
+          <a:ln w="25400">
+            <a:solidFill>
+              <a:srgbClr val="FF0000"/>
+            </a:solidFill>
+          </a:ln>
+        </p:spPr>
+        <p:style>
+          <a:lnRef idx="2">
+            <a:schemeClr val="accent1">
+              <a:shade val="50000"/>
+            </a:schemeClr>
+          </a:lnRef>
+          <a:fillRef idx="1">
+            <a:schemeClr val="accent1"/>
+          </a:fillRef>
+          <a:effectRef idx="0">
+            <a:schemeClr val="accent1"/>
+          </a:effectRef>
+          <a:fontRef idx="minor">
+            <a:schemeClr val="lt1"/>
+          </a:fontRef>
+        </p:style>
+        <p:txBody>
+          <a:bodyPr rtlCol="0" anchor="ctr"/>
+          <a:lstStyle/>
+          <a:p>
+            <a:pPr algn="ctr"/>
+            <a:endParaRPr lang="zh-CN" altLang="en-US"/>
+          </a:p>
+        </p:txBody>
+      </p:sp>
+      <p:sp>
+        <p:nvSpPr>
+          <p:cNvPr id="6" name="矩形 5"/>
+          <p:cNvSpPr/>
+          <p:nvPr/>
+        </p:nvSpPr>
+        <p:spPr>
+          <a:xfrm>
+            <a:off x="6722932" y="4800600"/>
+            <a:ext cx="1859093" cy="409576"/>
+          </a:xfrm>
+          <a:prstGeom prst="rect">
+            <a:avLst/>
+          </a:prstGeom>
+          <a:noFill/>
+          <a:ln w="25400">
+            <a:solidFill>
+              <a:srgbClr val="FF0000"/>
+            </a:solidFill>
+          </a:ln>
+        </p:spPr>
+        <p:style>
+          <a:lnRef idx="2">
+            <a:schemeClr val="accent1">
+              <a:shade val="50000"/>
+            </a:schemeClr>
+          </a:lnRef>
+          <a:fillRef idx="1">
+            <a:schemeClr val="accent1"/>
+          </a:fillRef>
+          <a:effectRef idx="0">
+            <a:schemeClr val="accent1"/>
+          </a:effectRef>
+          <a:fontRef idx="minor">
+            <a:schemeClr val="lt1"/>
+          </a:fontRef>
+        </p:style>
+        <p:txBody>
+          <a:bodyPr rtlCol="0" anchor="ctr"/>
+          <a:lstStyle/>
+          <a:p>
+            <a:pPr algn="ctr"/>
+            <a:endParaRPr lang="zh-CN" altLang="en-US"/>
+          </a:p>
+        </p:txBody>
+      </p:sp>
     </p:spTree>
     <p:extLst>
       <p:ext uri="{BB962C8B-B14F-4D97-AF65-F5344CB8AC3E}">
@@ -8042,93 +8122,37 @@
                   <a:schemeClr val="bg1"/>
                 </a:solidFill>
               </a:rPr>
-              <a:t>陈</a:t>
-            </a:r>
+              <a:t>陈佩（角色职责、业务知识）</a:t>
+            </a:r>
+            <a:endParaRPr lang="en-US" altLang="zh-CN" dirty="0" smtClean="0">
+              <a:solidFill>
+                <a:schemeClr val="bg1"/>
+              </a:solidFill>
+            </a:endParaRPr>
+          </a:p>
+          <a:p>
             <a:r>
               <a:rPr lang="zh-CN" altLang="en-US" dirty="0" smtClean="0">
                 <a:solidFill>
                   <a:schemeClr val="bg1"/>
                 </a:solidFill>
               </a:rPr>
-              <a:t>佩</a:t>
-            </a:r>
+              <a:t>雷永建（设计思路交流、业务知识）</a:t>
+            </a:r>
+            <a:endParaRPr lang="en-US" altLang="zh-CN" dirty="0" smtClean="0">
+              <a:solidFill>
+                <a:schemeClr val="bg1"/>
+              </a:solidFill>
+            </a:endParaRPr>
+          </a:p>
+          <a:p>
             <a:r>
               <a:rPr lang="zh-CN" altLang="en-US" dirty="0" smtClean="0">
                 <a:solidFill>
                   <a:schemeClr val="bg1"/>
                 </a:solidFill>
               </a:rPr>
-              <a:t>（角色</a:t>
-            </a:r>
-            <a:r>
-              <a:rPr lang="zh-CN" altLang="en-US" dirty="0" smtClean="0">
-                <a:solidFill>
-                  <a:schemeClr val="bg1"/>
-                </a:solidFill>
-              </a:rPr>
-              <a:t>职责、业务知识）</a:t>
-            </a:r>
-            <a:endParaRPr lang="en-US" altLang="zh-CN" dirty="0" smtClean="0">
-              <a:solidFill>
-                <a:schemeClr val="bg1"/>
-              </a:solidFill>
-            </a:endParaRPr>
-          </a:p>
-          <a:p>
-            <a:r>
-              <a:rPr lang="zh-CN" altLang="en-US" dirty="0" smtClean="0">
-                <a:solidFill>
-                  <a:schemeClr val="bg1"/>
-                </a:solidFill>
-              </a:rPr>
-              <a:t>雷永建</a:t>
-            </a:r>
-            <a:r>
-              <a:rPr lang="zh-CN" altLang="en-US" dirty="0" smtClean="0">
-                <a:solidFill>
-                  <a:schemeClr val="bg1"/>
-                </a:solidFill>
-              </a:rPr>
-              <a:t>（设计</a:t>
-            </a:r>
-            <a:r>
-              <a:rPr lang="zh-CN" altLang="en-US" dirty="0" smtClean="0">
-                <a:solidFill>
-                  <a:schemeClr val="bg1"/>
-                </a:solidFill>
-              </a:rPr>
-              <a:t>思路交流、业务知识）</a:t>
-            </a:r>
-            <a:endParaRPr lang="en-US" altLang="zh-CN" dirty="0" smtClean="0">
-              <a:solidFill>
-                <a:schemeClr val="bg1"/>
-              </a:solidFill>
-            </a:endParaRPr>
-          </a:p>
-          <a:p>
-            <a:r>
-              <a:rPr lang="zh-CN" altLang="en-US" dirty="0" smtClean="0">
-                <a:solidFill>
-                  <a:schemeClr val="bg1"/>
-                </a:solidFill>
-              </a:rPr>
-              <a:t>郑勋</a:t>
-            </a:r>
-            <a:r>
-              <a:rPr lang="zh-CN" altLang="en-US" dirty="0" smtClean="0">
-                <a:solidFill>
-                  <a:schemeClr val="bg1"/>
-                </a:solidFill>
-              </a:rPr>
-              <a:t>（业务</a:t>
-            </a:r>
-            <a:r>
-              <a:rPr lang="zh-CN" altLang="en-US" dirty="0" smtClean="0">
-                <a:solidFill>
-                  <a:schemeClr val="bg1"/>
-                </a:solidFill>
-              </a:rPr>
-              <a:t>知识）</a:t>
+              <a:t>郑勋（业务知识）</a:t>
             </a:r>
             <a:endParaRPr lang="en-US" altLang="zh-CN" dirty="0" smtClean="0">
               <a:solidFill>
@@ -8151,15 +8175,7 @@
                   <a:schemeClr val="bg1"/>
                 </a:solidFill>
               </a:rPr>
-              <a:t>琪、曹洪梅</a:t>
-            </a:r>
-            <a:r>
-              <a:rPr lang="zh-CN" altLang="en-US" dirty="0" smtClean="0">
-                <a:solidFill>
-                  <a:schemeClr val="bg1"/>
-                </a:solidFill>
-              </a:rPr>
-              <a:t>（药房业务、组织）</a:t>
+              <a:t>琪、曹洪梅（药房业务、组织）</a:t>
             </a:r>
             <a:endParaRPr lang="en-US" altLang="zh-CN" dirty="0" smtClean="0">
               <a:solidFill>
@@ -8189,47 +8205,7 @@
                   <a:schemeClr val="bg1"/>
                 </a:solidFill>
               </a:rPr>
-              <a:t>王</a:t>
-            </a:r>
-            <a:r>
-              <a:rPr lang="zh-CN" altLang="en-US" dirty="0" smtClean="0">
-                <a:solidFill>
-                  <a:schemeClr val="bg1"/>
-                </a:solidFill>
-              </a:rPr>
-              <a:t>英辉（医嘱概念</a:t>
-            </a:r>
-            <a:r>
-              <a:rPr lang="zh-CN" altLang="en-US" dirty="0" smtClean="0">
-                <a:solidFill>
-                  <a:schemeClr val="bg1"/>
-                </a:solidFill>
-              </a:rPr>
-              <a:t>、</a:t>
-            </a:r>
-            <a:r>
-              <a:rPr lang="zh-CN" altLang="en-US" dirty="0" smtClean="0">
-                <a:solidFill>
-                  <a:schemeClr val="bg1"/>
-                </a:solidFill>
-              </a:rPr>
-              <a:t>药房业务、</a:t>
-            </a:r>
-            <a:r>
-              <a:rPr lang="zh-CN" altLang="en-US" dirty="0" smtClean="0">
-                <a:solidFill>
-                  <a:schemeClr val="bg1"/>
-                </a:solidFill>
-              </a:rPr>
-              <a:t>角色</a:t>
-            </a:r>
-            <a:r>
-              <a:rPr lang="zh-CN" altLang="en-US" dirty="0" smtClean="0">
-                <a:solidFill>
-                  <a:schemeClr val="bg1"/>
-                </a:solidFill>
-              </a:rPr>
-              <a:t>职责）</a:t>
+              <a:t>王英辉（医嘱概念、药房业务、角色职责）</a:t>
             </a:r>
             <a:endParaRPr lang="en-US" altLang="zh-CN" dirty="0" smtClean="0">
               <a:solidFill>
@@ -8437,7 +8413,7 @@
           <p:nvPr>
             <p:extLst>
               <p:ext uri="{D42A27DB-BD31-4B8C-83A1-F6EECF244321}">
-                <p14:modId xmlns:p14="http://schemas.microsoft.com/office/powerpoint/2010/main" val="2637393755"/>
+                <p14:modId xmlns:p14="http://schemas.microsoft.com/office/powerpoint/2010/main" val="4029315348"/>
               </p:ext>
             </p:extLst>
           </p:nvPr>
@@ -8554,15 +8530,15 @@
                         <a:t>对工作目标中</a:t>
                       </a:r>
                       <a:r>
-                        <a:rPr lang="en-US" altLang="zh-CN" dirty="0" smtClean="0"/>
+                        <a:rPr lang="en-US" altLang="zh-CN" b="0" dirty="0" smtClean="0"/>
                         <a:t>【</a:t>
                       </a:r>
                       <a:r>
-                        <a:rPr lang="zh-CN" altLang="zh-CN" b="1" dirty="0" smtClean="0"/>
+                        <a:rPr lang="zh-CN" altLang="zh-CN" b="0" dirty="0" smtClean="0"/>
                         <a:t>提供一个展现将复杂业务软件系统的按着可变性的不同分为黑盒、灰盒和白盒复用的三个层次，并对不同层次研发的方法、质量提出具体的要求</a:t>
                       </a:r>
                       <a:r>
-                        <a:rPr lang="en-US" altLang="zh-CN" dirty="0" smtClean="0"/>
+                        <a:rPr lang="en-US" altLang="zh-CN" b="0" dirty="0" smtClean="0"/>
                         <a:t>】</a:t>
                       </a:r>
                       <a:r>
@@ -8741,7 +8717,7 @@
                       </a:r>
                       <a:r>
                         <a:rPr lang="zh-CN" altLang="en-US" dirty="0" smtClean="0"/>
-                        <a:t>的接口</a:t>
+                        <a:t>的分布式接口</a:t>
                       </a:r>
                       <a:endParaRPr lang="zh-CN" altLang="en-US" dirty="0"/>
                     </a:p>

--- a/doc/状态报告 2017-6-2.pptx
+++ b/doc/状态报告 2017-6-2.pptx
@@ -8097,7 +8097,7 @@
         </p:spPr>
         <p:txBody>
           <a:bodyPr>
-            <a:normAutofit fontScale="85000" lnSpcReduction="10000"/>
+            <a:normAutofit fontScale="77500" lnSpcReduction="20000"/>
           </a:bodyPr>
           <a:lstStyle/>
           <a:p>
@@ -8190,7 +8190,23 @@
                   <a:schemeClr val="bg1"/>
                 </a:solidFill>
               </a:rPr>
-              <a:t>杨威（医嘱分解、软件设计）</a:t>
+              <a:t>杨威</a:t>
+            </a:r>
+            <a:r>
+              <a:rPr lang="zh-CN" altLang="en-US" dirty="0" smtClean="0">
+                <a:solidFill>
+                  <a:schemeClr val="bg1"/>
+                </a:solidFill>
+              </a:rPr>
+              <a:t>（医院组织结构、</a:t>
+            </a:r>
+            <a:r>
+              <a:rPr lang="zh-CN" altLang="en-US" dirty="0" smtClean="0">
+                <a:solidFill>
+                  <a:schemeClr val="bg1"/>
+                </a:solidFill>
+              </a:rPr>
+              <a:t>软件设计）</a:t>
             </a:r>
             <a:endParaRPr lang="en-US" altLang="zh-CN" dirty="0" smtClean="0">
               <a:solidFill>
@@ -8327,7 +8343,15 @@
                   <a:schemeClr val="bg1"/>
                 </a:solidFill>
               </a:rPr>
-              <a:t>涛（药房业务 药王）</a:t>
+              <a:t>涛（药房业务 药王</a:t>
+            </a:r>
+            <a:r>
+              <a:rPr lang="zh-CN" altLang="en-US" dirty="0" smtClean="0">
+                <a:solidFill>
+                  <a:schemeClr val="bg1"/>
+                </a:solidFill>
+              </a:rPr>
+              <a:t>）</a:t>
             </a:r>
             <a:endParaRPr lang="en-US" altLang="zh-CN" dirty="0" smtClean="0">
               <a:solidFill>
@@ -8336,6 +8360,22 @@
             </a:endParaRPr>
           </a:p>
           <a:p>
+            <a:r>
+              <a:rPr lang="zh-CN" altLang="en-US" dirty="0" smtClean="0">
+                <a:solidFill>
+                  <a:schemeClr val="bg1"/>
+                </a:solidFill>
+              </a:rPr>
+              <a:t>刘璇（工作</a:t>
+            </a:r>
+            <a:r>
+              <a:rPr lang="zh-CN" altLang="en-US" smtClean="0">
+                <a:solidFill>
+                  <a:schemeClr val="bg1"/>
+                </a:solidFill>
+              </a:rPr>
+              <a:t>进展）</a:t>
+            </a:r>
             <a:endParaRPr lang="zh-CN" altLang="en-US" dirty="0">
               <a:solidFill>
                 <a:schemeClr val="bg1"/>

--- a/doc/状态报告 2017-6-2.pptx
+++ b/doc/状态报告 2017-6-2.pptx
@@ -5744,7 +5744,23 @@
             </a:r>
             <a:r>
               <a:rPr lang="zh-CN" altLang="en-US" dirty="0" smtClean="0"/>
-              <a:t>页；丰富了由业务到设计的模型；</a:t>
+              <a:t>页（当前</a:t>
+            </a:r>
+            <a:r>
+              <a:rPr lang="en-US" altLang="zh-CN" dirty="0" smtClean="0"/>
+              <a:t>94</a:t>
+            </a:r>
+            <a:r>
+              <a:rPr lang="zh-CN" altLang="en-US"/>
+              <a:t>页</a:t>
+            </a:r>
+            <a:r>
+              <a:rPr lang="zh-CN" altLang="en-US" smtClean="0"/>
+              <a:t>）；</a:t>
+            </a:r>
+            <a:r>
+              <a:rPr lang="zh-CN" altLang="en-US" dirty="0" smtClean="0"/>
+              <a:t>丰富了由业务到设计的模型；</a:t>
             </a:r>
             <a:endParaRPr lang="en-US" altLang="zh-CN" dirty="0" smtClean="0"/>
           </a:p>
@@ -8190,23 +8206,7 @@
                   <a:schemeClr val="bg1"/>
                 </a:solidFill>
               </a:rPr>
-              <a:t>杨威</a:t>
-            </a:r>
-            <a:r>
-              <a:rPr lang="zh-CN" altLang="en-US" dirty="0" smtClean="0">
-                <a:solidFill>
-                  <a:schemeClr val="bg1"/>
-                </a:solidFill>
-              </a:rPr>
-              <a:t>（医院组织结构、</a:t>
-            </a:r>
-            <a:r>
-              <a:rPr lang="zh-CN" altLang="en-US" dirty="0" smtClean="0">
-                <a:solidFill>
-                  <a:schemeClr val="bg1"/>
-                </a:solidFill>
-              </a:rPr>
-              <a:t>软件设计）</a:t>
+              <a:t>杨威（医院组织结构、软件设计）</a:t>
             </a:r>
             <a:endParaRPr lang="en-US" altLang="zh-CN" dirty="0" smtClean="0">
               <a:solidFill>
@@ -8343,15 +8343,7 @@
                   <a:schemeClr val="bg1"/>
                 </a:solidFill>
               </a:rPr>
-              <a:t>涛（药房业务 药王</a:t>
-            </a:r>
-            <a:r>
-              <a:rPr lang="zh-CN" altLang="en-US" dirty="0" smtClean="0">
-                <a:solidFill>
-                  <a:schemeClr val="bg1"/>
-                </a:solidFill>
-              </a:rPr>
-              <a:t>）</a:t>
+              <a:t>涛（药房业务 药王）</a:t>
             </a:r>
             <a:endParaRPr lang="en-US" altLang="zh-CN" dirty="0" smtClean="0">
               <a:solidFill>
